--- a/010 Shiny/Shiny Project Slides.pptx
+++ b/010 Shiny/Shiny Project Slides.pptx
@@ -17,6 +17,7 @@
     <p:sldId id="265" r:id="rId11"/>
     <p:sldId id="266" r:id="rId12"/>
     <p:sldId id="267" r:id="rId13"/>
+    <p:sldId id="268" r:id="rId14"/>
   </p:sldIdLst>
   <p:sldSz cx="12192000" cy="6858000"/>
   <p:notesSz cx="6858000" cy="9144000"/>
@@ -115,6 +116,11 @@
       </a:defRPr>
     </a:lvl9pPr>
   </p:defaultTextStyle>
+  <p:extLst>
+    <p:ext uri="{EFAFB233-063F-42B5-8137-9DF3F51BA10A}">
+      <p15:sldGuideLst xmlns:p15="http://schemas.microsoft.com/office/powerpoint/2012/main"/>
+    </p:ext>
+  </p:extLst>
 </p:presentation>
 </file>
 
@@ -288,7 +294,7 @@
             <a:fld id="{87DE6118-2437-4B30-8E3C-4D2BE6020583}" type="datetimeFigureOut">
               <a:rPr lang="en-US" dirty="0"/>
               <a:pPr/>
-              <a:t>7/18/2017</a:t>
+              <a:t>7/19/2017</a:t>
             </a:fld>
             <a:endParaRPr lang="en-US" dirty="0"/>
           </a:p>
@@ -614,7 +620,7 @@
           <a:p>
             <a:fld id="{87DE6118-2437-4B30-8E3C-4D2BE6020583}" type="datetimeFigureOut">
               <a:rPr lang="en-US" dirty="0"/>
-              <a:t>7/18/2017</a:t>
+              <a:t>7/19/2017</a:t>
             </a:fld>
             <a:endParaRPr lang="en-US" dirty="0"/>
           </a:p>
@@ -789,7 +795,7 @@
           <a:p>
             <a:fld id="{87DE6118-2437-4B30-8E3C-4D2BE6020583}" type="datetimeFigureOut">
               <a:rPr lang="en-US" dirty="0"/>
-              <a:t>7/18/2017</a:t>
+              <a:t>7/19/2017</a:t>
             </a:fld>
             <a:endParaRPr lang="en-US" dirty="0"/>
           </a:p>
@@ -954,7 +960,7 @@
           <a:p>
             <a:fld id="{87DE6118-2437-4B30-8E3C-4D2BE6020583}" type="datetimeFigureOut">
               <a:rPr lang="en-US" dirty="0"/>
-              <a:t>7/18/2017</a:t>
+              <a:t>7/19/2017</a:t>
             </a:fld>
             <a:endParaRPr lang="en-US" dirty="0"/>
           </a:p>
@@ -1227,7 +1233,7 @@
             <a:fld id="{87DE6118-2437-4B30-8E3C-4D2BE6020583}" type="datetimeFigureOut">
               <a:rPr lang="en-US" dirty="0"/>
               <a:pPr/>
-              <a:t>7/18/2017</a:t>
+              <a:t>7/19/2017</a:t>
             </a:fld>
             <a:endParaRPr lang="en-US" dirty="0"/>
           </a:p>
@@ -1617,7 +1623,7 @@
           <a:p>
             <a:fld id="{87DE6118-2437-4B30-8E3C-4D2BE6020583}" type="datetimeFigureOut">
               <a:rPr lang="en-US" dirty="0"/>
-              <a:t>7/18/2017</a:t>
+              <a:t>7/19/2017</a:t>
             </a:fld>
             <a:endParaRPr lang="en-US" dirty="0"/>
           </a:p>
@@ -2089,7 +2095,7 @@
           <a:p>
             <a:fld id="{87DE6118-2437-4B30-8E3C-4D2BE6020583}" type="datetimeFigureOut">
               <a:rPr lang="en-US" dirty="0"/>
-              <a:t>7/18/2017</a:t>
+              <a:t>7/19/2017</a:t>
             </a:fld>
             <a:endParaRPr lang="en-US" dirty="0"/>
           </a:p>
@@ -2202,7 +2208,7 @@
           <a:p>
             <a:fld id="{87DE6118-2437-4B30-8E3C-4D2BE6020583}" type="datetimeFigureOut">
               <a:rPr lang="en-US" dirty="0"/>
-              <a:t>7/18/2017</a:t>
+              <a:t>7/19/2017</a:t>
             </a:fld>
             <a:endParaRPr lang="en-US" dirty="0"/>
           </a:p>
@@ -2292,7 +2298,7 @@
           <a:p>
             <a:fld id="{87DE6118-2437-4B30-8E3C-4D2BE6020583}" type="datetimeFigureOut">
               <a:rPr lang="en-US" dirty="0"/>
-              <a:t>7/18/2017</a:t>
+              <a:t>7/19/2017</a:t>
             </a:fld>
             <a:endParaRPr lang="en-US" dirty="0"/>
           </a:p>
@@ -2634,7 +2640,7 @@
             <a:fld id="{87DE6118-2437-4B30-8E3C-4D2BE6020583}" type="datetimeFigureOut">
               <a:rPr lang="en-US" dirty="0"/>
               <a:pPr/>
-              <a:t>7/18/2017</a:t>
+              <a:t>7/19/2017</a:t>
             </a:fld>
             <a:endParaRPr lang="en-US" dirty="0"/>
           </a:p>
@@ -3019,7 +3025,7 @@
             <a:fld id="{87DE6118-2437-4B30-8E3C-4D2BE6020583}" type="datetimeFigureOut">
               <a:rPr lang="en-US" dirty="0"/>
               <a:pPr/>
-              <a:t>7/18/2017</a:t>
+              <a:t>7/19/2017</a:t>
             </a:fld>
             <a:endParaRPr lang="en-US" dirty="0"/>
           </a:p>
@@ -3294,7 +3300,7 @@
             <a:fld id="{87DE6118-2437-4B30-8E3C-4D2BE6020583}" type="datetimeFigureOut">
               <a:rPr lang="en-US" dirty="0"/>
               <a:pPr/>
-              <a:t>7/18/2017</a:t>
+              <a:t>7/19/2017</a:t>
             </a:fld>
             <a:endParaRPr lang="en-US" dirty="0"/>
           </a:p>
@@ -5769,6 +5775,109 @@
 </p:sld>
 </file>
 
+<file path=ppt/slides/slide13.xml><?xml version="1.0" encoding="utf-8"?>
+<p:sld xmlns:a="http://schemas.openxmlformats.org/drawingml/2006/main" xmlns:r="http://schemas.openxmlformats.org/officeDocument/2006/relationships" xmlns:p="http://schemas.openxmlformats.org/presentationml/2006/main">
+  <p:cSld>
+    <p:spTree>
+      <p:nvGrpSpPr>
+        <p:cNvPr id="1" name=""/>
+        <p:cNvGrpSpPr/>
+        <p:nvPr/>
+      </p:nvGrpSpPr>
+      <p:grpSpPr>
+        <a:xfrm>
+          <a:off x="0" y="0"/>
+          <a:ext cx="0" cy="0"/>
+          <a:chOff x="0" y="0"/>
+          <a:chExt cx="0" cy="0"/>
+        </a:xfrm>
+      </p:grpSpPr>
+      <p:sp>
+        <p:nvSpPr>
+          <p:cNvPr id="2" name="Title 1"/>
+          <p:cNvSpPr>
+            <a:spLocks noGrp="1"/>
+          </p:cNvSpPr>
+          <p:nvPr>
+            <p:ph type="title"/>
+          </p:nvPr>
+        </p:nvSpPr>
+        <p:spPr>
+          <a:xfrm>
+            <a:off x="1371600" y="685800"/>
+            <a:ext cx="9601200" cy="655320"/>
+          </a:xfrm>
+        </p:spPr>
+        <p:txBody>
+          <a:bodyPr>
+            <a:normAutofit fontScale="90000"/>
+          </a:bodyPr>
+          <a:lstStyle/>
+          <a:p>
+            <a:r>
+              <a:rPr lang="en-GB" dirty="0" smtClean="0"/>
+              <a:t>10-Year Performance</a:t>
+            </a:r>
+            <a:endParaRPr lang="de-AT" dirty="0"/>
+          </a:p>
+        </p:txBody>
+      </p:sp>
+      <p:sp>
+        <p:nvSpPr>
+          <p:cNvPr id="3" name="Content Placeholder 2"/>
+          <p:cNvSpPr>
+            <a:spLocks noGrp="1"/>
+          </p:cNvSpPr>
+          <p:nvPr>
+            <p:ph idx="1"/>
+          </p:nvPr>
+        </p:nvSpPr>
+        <p:spPr/>
+        <p:txBody>
+          <a:bodyPr/>
+          <a:lstStyle/>
+          <a:p>
+            <a:endParaRPr lang="de-AT" dirty="0"/>
+          </a:p>
+        </p:txBody>
+      </p:sp>
+      <p:pic>
+        <p:nvPicPr>
+          <p:cNvPr id="5" name="Picture 4"/>
+          <p:cNvPicPr>
+            <a:picLocks noChangeAspect="1"/>
+          </p:cNvPicPr>
+          <p:nvPr/>
+        </p:nvPicPr>
+        <p:blipFill>
+          <a:blip r:embed="rId2"/>
+          <a:stretch>
+            <a:fillRect/>
+          </a:stretch>
+        </p:blipFill>
+        <p:spPr>
+          <a:xfrm>
+            <a:off x="1371600" y="1305941"/>
+            <a:ext cx="9522823" cy="5388825"/>
+          </a:xfrm>
+          <a:prstGeom prst="rect">
+            <a:avLst/>
+          </a:prstGeom>
+        </p:spPr>
+      </p:pic>
+    </p:spTree>
+    <p:extLst>
+      <p:ext uri="{BB962C8B-B14F-4D97-AF65-F5344CB8AC3E}">
+        <p14:creationId xmlns:p14="http://schemas.microsoft.com/office/powerpoint/2010/main" val="329868665"/>
+      </p:ext>
+    </p:extLst>
+  </p:cSld>
+  <p:clrMapOvr>
+    <a:masterClrMapping/>
+  </p:clrMapOvr>
+</p:sld>
+</file>
+
 <file path=ppt/slides/slide2.xml><?xml version="1.0" encoding="utf-8"?>
 <p:sld xmlns:a="http://schemas.openxmlformats.org/drawingml/2006/main" xmlns:r="http://schemas.openxmlformats.org/officeDocument/2006/relationships" xmlns:p="http://schemas.openxmlformats.org/presentationml/2006/main">
   <p:cSld>

--- a/010 Shiny/Shiny Project Slides.pptx
+++ b/010 Shiny/Shiny Project Slides.pptx
@@ -16,8 +16,9 @@
     <p:sldId id="264" r:id="rId10"/>
     <p:sldId id="265" r:id="rId11"/>
     <p:sldId id="266" r:id="rId12"/>
-    <p:sldId id="267" r:id="rId13"/>
-    <p:sldId id="268" r:id="rId14"/>
+    <p:sldId id="269" r:id="rId13"/>
+    <p:sldId id="267" r:id="rId14"/>
+    <p:sldId id="268" r:id="rId15"/>
   </p:sldIdLst>
   <p:sldSz cx="12192000" cy="6858000"/>
   <p:notesSz cx="6858000" cy="9144000"/>
@@ -5685,6 +5686,420 @@
             <p:ph type="title"/>
           </p:nvPr>
         </p:nvSpPr>
+        <p:spPr/>
+        <p:txBody>
+          <a:bodyPr/>
+          <a:lstStyle/>
+          <a:p>
+            <a:r>
+              <a:rPr lang="en-GB" dirty="0"/>
+              <a:t>Trading Performance: </a:t>
+            </a:r>
+            <a:r>
+              <a:rPr lang="en-GB" dirty="0" smtClean="0"/>
+              <a:t>“</a:t>
+            </a:r>
+            <a:r>
+              <a:rPr lang="en-GB" dirty="0"/>
+              <a:t>D</a:t>
+            </a:r>
+            <a:r>
+              <a:rPr lang="en-GB" dirty="0" smtClean="0"/>
+              <a:t>azzler”</a:t>
+            </a:r>
+            <a:endParaRPr lang="de-AT" dirty="0"/>
+          </a:p>
+        </p:txBody>
+      </p:sp>
+      <p:sp>
+        <p:nvSpPr>
+          <p:cNvPr id="3" name="Content Placeholder 2"/>
+          <p:cNvSpPr>
+            <a:spLocks noGrp="1"/>
+          </p:cNvSpPr>
+          <p:nvPr>
+            <p:ph idx="1"/>
+          </p:nvPr>
+        </p:nvSpPr>
+        <p:spPr>
+          <a:xfrm>
+            <a:off x="1371600" y="1358538"/>
+            <a:ext cx="9601200" cy="357052"/>
+          </a:xfrm>
+        </p:spPr>
+        <p:txBody>
+          <a:bodyPr>
+            <a:normAutofit lnSpcReduction="10000"/>
+          </a:bodyPr>
+          <a:lstStyle/>
+          <a:p>
+            <a:r>
+              <a:rPr lang="en-GB" dirty="0" smtClean="0"/>
+              <a:t>Infosys</a:t>
+            </a:r>
+            <a:endParaRPr lang="de-AT" dirty="0"/>
+          </a:p>
+        </p:txBody>
+      </p:sp>
+      <p:pic>
+        <p:nvPicPr>
+          <p:cNvPr id="4" name="Picture 3"/>
+          <p:cNvPicPr>
+            <a:picLocks noChangeAspect="1"/>
+          </p:cNvPicPr>
+          <p:nvPr/>
+        </p:nvPicPr>
+        <p:blipFill>
+          <a:blip r:embed="rId2"/>
+          <a:stretch>
+            <a:fillRect/>
+          </a:stretch>
+        </p:blipFill>
+        <p:spPr>
+          <a:xfrm>
+            <a:off x="1371601" y="1715591"/>
+            <a:ext cx="7624354" cy="5101364"/>
+          </a:xfrm>
+          <a:prstGeom prst="rect">
+            <a:avLst/>
+          </a:prstGeom>
+        </p:spPr>
+      </p:pic>
+      <p:sp>
+        <p:nvSpPr>
+          <p:cNvPr id="5" name="Content Placeholder 2"/>
+          <p:cNvSpPr txBox="1">
+            <a:spLocks/>
+          </p:cNvSpPr>
+          <p:nvPr/>
+        </p:nvSpPr>
+        <p:spPr>
+          <a:xfrm>
+            <a:off x="8995955" y="1715590"/>
+            <a:ext cx="3021875" cy="5101365"/>
+          </a:xfrm>
+          <a:prstGeom prst="rect">
+            <a:avLst/>
+          </a:prstGeom>
+        </p:spPr>
+        <p:txBody>
+          <a:bodyPr vert="horz" lIns="91440" tIns="45720" rIns="91440" bIns="45720" rtlCol="0">
+            <a:normAutofit/>
+          </a:bodyPr>
+          <a:lstStyle>
+            <a:lvl1pPr marL="384048" indent="-384048" algn="l" defTabSz="914400" rtl="0" eaLnBrk="1" latinLnBrk="0" hangingPunct="1">
+              <a:lnSpc>
+                <a:spcPct val="94000"/>
+              </a:lnSpc>
+              <a:spcBef>
+                <a:spcPts val="1000"/>
+              </a:spcBef>
+              <a:spcAft>
+                <a:spcPts val="200"/>
+              </a:spcAft>
+              <a:buFont typeface="Franklin Gothic Book" panose="020B0503020102020204" pitchFamily="34" charset="0"/>
+              <a:buChar char="■"/>
+              <a:defRPr sz="2000" kern="1200" baseline="0">
+                <a:solidFill>
+                  <a:schemeClr val="tx2"/>
+                </a:solidFill>
+                <a:latin typeface="+mn-lt"/>
+                <a:ea typeface="+mn-ea"/>
+                <a:cs typeface="+mn-cs"/>
+              </a:defRPr>
+            </a:lvl1pPr>
+            <a:lvl2pPr marL="914400" indent="-384048" algn="l" defTabSz="914400" rtl="0" eaLnBrk="1" latinLnBrk="0" hangingPunct="1">
+              <a:lnSpc>
+                <a:spcPct val="94000"/>
+              </a:lnSpc>
+              <a:spcBef>
+                <a:spcPts val="500"/>
+              </a:spcBef>
+              <a:spcAft>
+                <a:spcPts val="200"/>
+              </a:spcAft>
+              <a:buFont typeface="Franklin Gothic Book" panose="020B0503020102020204" pitchFamily="34" charset="0"/>
+              <a:buChar char="–"/>
+              <a:defRPr sz="2000" i="1" kern="1200" baseline="0">
+                <a:solidFill>
+                  <a:schemeClr val="tx2"/>
+                </a:solidFill>
+                <a:latin typeface="+mn-lt"/>
+                <a:ea typeface="+mn-ea"/>
+                <a:cs typeface="+mn-cs"/>
+              </a:defRPr>
+            </a:lvl2pPr>
+            <a:lvl3pPr marL="1371600" indent="-384048" algn="l" defTabSz="914400" rtl="0" eaLnBrk="1" latinLnBrk="0" hangingPunct="1">
+              <a:lnSpc>
+                <a:spcPct val="94000"/>
+              </a:lnSpc>
+              <a:spcBef>
+                <a:spcPts val="500"/>
+              </a:spcBef>
+              <a:spcAft>
+                <a:spcPts val="200"/>
+              </a:spcAft>
+              <a:buFont typeface="Franklin Gothic Book" panose="020B0503020102020204" pitchFamily="34" charset="0"/>
+              <a:buChar char="■"/>
+              <a:defRPr sz="1800" kern="1200" baseline="0">
+                <a:solidFill>
+                  <a:schemeClr val="tx2"/>
+                </a:solidFill>
+                <a:latin typeface="+mn-lt"/>
+                <a:ea typeface="+mn-ea"/>
+                <a:cs typeface="+mn-cs"/>
+              </a:defRPr>
+            </a:lvl3pPr>
+            <a:lvl4pPr marL="1828800" indent="-384048" algn="l" defTabSz="914400" rtl="0" eaLnBrk="1" latinLnBrk="0" hangingPunct="1">
+              <a:lnSpc>
+                <a:spcPct val="94000"/>
+              </a:lnSpc>
+              <a:spcBef>
+                <a:spcPts val="500"/>
+              </a:spcBef>
+              <a:spcAft>
+                <a:spcPts val="200"/>
+              </a:spcAft>
+              <a:buFont typeface="Franklin Gothic Book" panose="020B0503020102020204" pitchFamily="34" charset="0"/>
+              <a:buChar char="–"/>
+              <a:defRPr sz="1800" i="1" kern="1200" baseline="0">
+                <a:solidFill>
+                  <a:schemeClr val="tx2"/>
+                </a:solidFill>
+                <a:latin typeface="+mn-lt"/>
+                <a:ea typeface="+mn-ea"/>
+                <a:cs typeface="+mn-cs"/>
+              </a:defRPr>
+            </a:lvl4pPr>
+            <a:lvl5pPr marL="2286000" indent="-384048" algn="l" defTabSz="914400" rtl="0" eaLnBrk="1" latinLnBrk="0" hangingPunct="1">
+              <a:lnSpc>
+                <a:spcPct val="94000"/>
+              </a:lnSpc>
+              <a:spcBef>
+                <a:spcPts val="500"/>
+              </a:spcBef>
+              <a:spcAft>
+                <a:spcPts val="200"/>
+              </a:spcAft>
+              <a:buFont typeface="Franklin Gothic Book" panose="020B0503020102020204" pitchFamily="34" charset="0"/>
+              <a:buChar char="■"/>
+              <a:defRPr sz="1600" kern="1200" baseline="0">
+                <a:solidFill>
+                  <a:schemeClr val="tx2"/>
+                </a:solidFill>
+                <a:latin typeface="+mn-lt"/>
+                <a:ea typeface="+mn-ea"/>
+                <a:cs typeface="+mn-cs"/>
+              </a:defRPr>
+            </a:lvl5pPr>
+            <a:lvl6pPr marL="2743200" indent="-384048" algn="l" defTabSz="914400" rtl="0" eaLnBrk="1" latinLnBrk="0" hangingPunct="1">
+              <a:lnSpc>
+                <a:spcPct val="94000"/>
+              </a:lnSpc>
+              <a:spcBef>
+                <a:spcPts val="500"/>
+              </a:spcBef>
+              <a:spcAft>
+                <a:spcPts val="200"/>
+              </a:spcAft>
+              <a:buFont typeface="Franklin Gothic Book" panose="020B0503020102020204" pitchFamily="34" charset="0"/>
+              <a:buChar char="–"/>
+              <a:defRPr sz="1600" i="1" kern="1200" baseline="0">
+                <a:solidFill>
+                  <a:schemeClr val="tx2"/>
+                </a:solidFill>
+                <a:latin typeface="+mn-lt"/>
+                <a:ea typeface="+mn-ea"/>
+                <a:cs typeface="+mn-cs"/>
+              </a:defRPr>
+            </a:lvl6pPr>
+            <a:lvl7pPr marL="3200400" indent="-384048" algn="l" defTabSz="914400" rtl="0" eaLnBrk="1" latinLnBrk="0" hangingPunct="1">
+              <a:lnSpc>
+                <a:spcPct val="94000"/>
+              </a:lnSpc>
+              <a:spcBef>
+                <a:spcPts val="500"/>
+              </a:spcBef>
+              <a:spcAft>
+                <a:spcPts val="200"/>
+              </a:spcAft>
+              <a:buFont typeface="Franklin Gothic Book" panose="020B0503020102020204" pitchFamily="34" charset="0"/>
+              <a:buChar char="■"/>
+              <a:defRPr sz="1400" kern="1200" baseline="0">
+                <a:solidFill>
+                  <a:schemeClr val="tx2"/>
+                </a:solidFill>
+                <a:latin typeface="+mn-lt"/>
+                <a:ea typeface="+mn-ea"/>
+                <a:cs typeface="+mn-cs"/>
+              </a:defRPr>
+            </a:lvl7pPr>
+            <a:lvl8pPr marL="3657600" indent="-384048" algn="l" defTabSz="914400" rtl="0" eaLnBrk="1" latinLnBrk="0" hangingPunct="1">
+              <a:lnSpc>
+                <a:spcPct val="94000"/>
+              </a:lnSpc>
+              <a:spcBef>
+                <a:spcPts val="500"/>
+              </a:spcBef>
+              <a:spcAft>
+                <a:spcPts val="200"/>
+              </a:spcAft>
+              <a:buFont typeface="Franklin Gothic Book" panose="020B0503020102020204" pitchFamily="34" charset="0"/>
+              <a:buChar char="–"/>
+              <a:defRPr sz="1400" i="1" kern="1200" baseline="0">
+                <a:solidFill>
+                  <a:schemeClr val="tx2"/>
+                </a:solidFill>
+                <a:latin typeface="+mn-lt"/>
+                <a:ea typeface="+mn-ea"/>
+                <a:cs typeface="+mn-cs"/>
+              </a:defRPr>
+            </a:lvl8pPr>
+            <a:lvl9pPr marL="4114800" indent="-384048" algn="l" defTabSz="914400" rtl="0" eaLnBrk="1" latinLnBrk="0" hangingPunct="1">
+              <a:lnSpc>
+                <a:spcPct val="94000"/>
+              </a:lnSpc>
+              <a:spcBef>
+                <a:spcPts val="500"/>
+              </a:spcBef>
+              <a:spcAft>
+                <a:spcPts val="200"/>
+              </a:spcAft>
+              <a:buFont typeface="Franklin Gothic Book" panose="020B0503020102020204" pitchFamily="34" charset="0"/>
+              <a:buChar char="■"/>
+              <a:defRPr sz="1400" kern="1200" baseline="0">
+                <a:solidFill>
+                  <a:schemeClr val="tx2"/>
+                </a:solidFill>
+                <a:latin typeface="+mn-lt"/>
+                <a:ea typeface="+mn-ea"/>
+                <a:cs typeface="+mn-cs"/>
+              </a:defRPr>
+            </a:lvl9pPr>
+          </a:lstStyle>
+          <a:p>
+            <a:pPr>
+              <a:buFont typeface="Wingdings" panose="05000000000000000000" pitchFamily="2" charset="2"/>
+              <a:buChar char="Ø"/>
+            </a:pPr>
+            <a:r>
+              <a:rPr lang="en-GB" b="1" dirty="0" smtClean="0"/>
+              <a:t>Seems to have a correlation, but the trading </a:t>
+            </a:r>
+            <a:r>
+              <a:rPr lang="en-GB" b="1" dirty="0"/>
+              <a:t>p</a:t>
+            </a:r>
+            <a:r>
+              <a:rPr lang="en-GB" b="1" dirty="0" smtClean="0"/>
+              <a:t>erf. </a:t>
+            </a:r>
+            <a:r>
+              <a:rPr lang="en-GB" b="1" dirty="0" smtClean="0"/>
+              <a:t>is smaller than the every-day-trading performance.</a:t>
+            </a:r>
+          </a:p>
+          <a:p>
+            <a:pPr>
+              <a:buFont typeface="Wingdings" panose="05000000000000000000" pitchFamily="2" charset="2"/>
+              <a:buChar char="Ø"/>
+            </a:pPr>
+            <a:r>
+              <a:rPr lang="en-GB" b="1" dirty="0" smtClean="0"/>
+              <a:t>The trading strategy has no positive effect.</a:t>
+            </a:r>
+          </a:p>
+          <a:p>
+            <a:pPr>
+              <a:buFont typeface="Wingdings" panose="05000000000000000000" pitchFamily="2" charset="2"/>
+              <a:buChar char="Ø"/>
+            </a:pPr>
+            <a:r>
+              <a:rPr lang="en-GB" b="1" dirty="0" smtClean="0"/>
+              <a:t>Positive result is just luck.</a:t>
+            </a:r>
+          </a:p>
+          <a:p>
+            <a:pPr>
+              <a:buFont typeface="Wingdings" panose="05000000000000000000" pitchFamily="2" charset="2"/>
+              <a:buChar char="Ø"/>
+            </a:pPr>
+            <a:r>
+              <a:rPr lang="en-GB" b="1" dirty="0" smtClean="0"/>
+              <a:t>Remove and observer future development.</a:t>
+            </a:r>
+            <a:endParaRPr lang="en-GB" b="1" dirty="0" smtClean="0"/>
+          </a:p>
+          <a:p>
+            <a:pPr>
+              <a:buFont typeface="Wingdings" panose="05000000000000000000" pitchFamily="2" charset="2"/>
+              <a:buChar char="Ø"/>
+            </a:pPr>
+            <a:endParaRPr lang="en-GB" b="1" dirty="0" smtClean="0"/>
+          </a:p>
+          <a:p>
+            <a:pPr>
+              <a:buFont typeface="Wingdings" panose="05000000000000000000" pitchFamily="2" charset="2"/>
+              <a:buChar char="Ø"/>
+            </a:pPr>
+            <a:endParaRPr lang="de-AT" b="1" dirty="0" smtClean="0"/>
+          </a:p>
+          <a:p>
+            <a:pPr>
+              <a:buFont typeface="Wingdings" panose="05000000000000000000" pitchFamily="2" charset="2"/>
+              <a:buChar char="Ø"/>
+            </a:pPr>
+            <a:endParaRPr lang="de-AT" dirty="0" smtClean="0"/>
+          </a:p>
+          <a:p>
+            <a:pPr>
+              <a:buFont typeface="Wingdings" panose="05000000000000000000" pitchFamily="2" charset="2"/>
+              <a:buChar char="Ø"/>
+            </a:pPr>
+            <a:endParaRPr lang="de-AT" dirty="0"/>
+          </a:p>
+        </p:txBody>
+      </p:sp>
+    </p:spTree>
+    <p:extLst>
+      <p:ext uri="{BB962C8B-B14F-4D97-AF65-F5344CB8AC3E}">
+        <p14:creationId xmlns:p14="http://schemas.microsoft.com/office/powerpoint/2010/main" val="1878769965"/>
+      </p:ext>
+    </p:extLst>
+  </p:cSld>
+  <p:clrMapOvr>
+    <a:masterClrMapping/>
+  </p:clrMapOvr>
+</p:sld>
+</file>
+
+<file path=ppt/slides/slide13.xml><?xml version="1.0" encoding="utf-8"?>
+<p:sld xmlns:a="http://schemas.openxmlformats.org/drawingml/2006/main" xmlns:r="http://schemas.openxmlformats.org/officeDocument/2006/relationships" xmlns:p="http://schemas.openxmlformats.org/presentationml/2006/main">
+  <p:cSld>
+    <p:spTree>
+      <p:nvGrpSpPr>
+        <p:cNvPr id="1" name=""/>
+        <p:cNvGrpSpPr/>
+        <p:nvPr/>
+      </p:nvGrpSpPr>
+      <p:grpSpPr>
+        <a:xfrm>
+          <a:off x="0" y="0"/>
+          <a:ext cx="0" cy="0"/>
+          <a:chOff x="0" y="0"/>
+          <a:chExt cx="0" cy="0"/>
+        </a:xfrm>
+      </p:grpSpPr>
+      <p:sp>
+        <p:nvSpPr>
+          <p:cNvPr id="2" name="Title 1"/>
+          <p:cNvSpPr>
+            <a:spLocks noGrp="1"/>
+          </p:cNvSpPr>
+          <p:nvPr>
+            <p:ph type="title"/>
+          </p:nvPr>
+        </p:nvSpPr>
         <p:spPr>
           <a:xfrm>
             <a:off x="1371600" y="685800"/>
@@ -5775,7 +6190,7 @@
 </p:sld>
 </file>
 
-<file path=ppt/slides/slide13.xml><?xml version="1.0" encoding="utf-8"?>
+<file path=ppt/slides/slide14.xml><?xml version="1.0" encoding="utf-8"?>
 <p:sld xmlns:a="http://schemas.openxmlformats.org/drawingml/2006/main" xmlns:r="http://schemas.openxmlformats.org/officeDocument/2006/relationships" xmlns:p="http://schemas.openxmlformats.org/presentationml/2006/main">
   <p:cSld>
     <p:spTree>

--- a/010 Shiny/Shiny Project Slides.pptx
+++ b/010 Shiny/Shiny Project Slides.pptx
@@ -3847,19 +3847,78 @@
             <p:ph type="subTitle" idx="1"/>
           </p:nvPr>
         </p:nvSpPr>
-        <p:spPr/>
-        <p:txBody>
-          <a:bodyPr/>
+        <p:spPr>
+          <a:xfrm>
+            <a:off x="2679906" y="3956279"/>
+            <a:ext cx="6831673" cy="1730418"/>
+          </a:xfrm>
+        </p:spPr>
+        <p:txBody>
+          <a:bodyPr>
+            <a:normAutofit fontScale="92500" lnSpcReduction="10000"/>
+          </a:bodyPr>
           <a:lstStyle/>
           <a:p>
             <a:r>
               <a:rPr lang="en-GB" dirty="0" smtClean="0"/>
-              <a:t>and their possible use for a day trading strategy</a:t>
-            </a:r>
+              <a:t>and their possible use for a day trading </a:t>
+            </a:r>
+            <a:r>
+              <a:rPr lang="en-GB" dirty="0" smtClean="0"/>
+              <a:t>strategy</a:t>
+            </a:r>
+          </a:p>
+          <a:p>
             <a:endParaRPr lang="en-GB" dirty="0"/>
           </a:p>
-        </p:txBody>
-      </p:sp>
+          <a:p>
+            <a:endParaRPr lang="en-GB" dirty="0" smtClean="0"/>
+          </a:p>
+          <a:p>
+            <a:endParaRPr lang="en-GB" dirty="0" smtClean="0"/>
+          </a:p>
+          <a:p>
+            <a:r>
+              <a:rPr lang="en-GB" sz="1800" dirty="0" smtClean="0"/>
+              <a:t>Stefan Hainzer, July 2017</a:t>
+            </a:r>
+            <a:endParaRPr lang="en-GB" sz="1800" dirty="0"/>
+          </a:p>
+          <a:p>
+            <a:endParaRPr lang="en-GB" dirty="0"/>
+          </a:p>
+          <a:p>
+            <a:endParaRPr lang="en-GB" dirty="0" smtClean="0"/>
+          </a:p>
+          <a:p>
+            <a:endParaRPr lang="en-GB" dirty="0"/>
+          </a:p>
+        </p:txBody>
+      </p:sp>
+      <p:pic>
+        <p:nvPicPr>
+          <p:cNvPr id="4" name="Picture 3"/>
+          <p:cNvPicPr>
+            <a:picLocks noChangeAspect="1"/>
+          </p:cNvPicPr>
+          <p:nvPr/>
+        </p:nvPicPr>
+        <p:blipFill>
+          <a:blip r:embed="rId2"/>
+          <a:stretch>
+            <a:fillRect/>
+          </a:stretch>
+        </p:blipFill>
+        <p:spPr>
+          <a:xfrm>
+            <a:off x="4928929" y="4535738"/>
+            <a:ext cx="2333625" cy="571500"/>
+          </a:xfrm>
+          <a:prstGeom prst="rect">
+            <a:avLst/>
+          </a:prstGeom>
+        </p:spPr>
+      </p:pic>
     </p:spTree>
     <p:extLst>
       <p:ext uri="{BB962C8B-B14F-4D97-AF65-F5344CB8AC3E}">
@@ -5992,11 +6051,7 @@
             </a:r>
             <a:r>
               <a:rPr lang="en-GB" b="1" dirty="0" smtClean="0"/>
-              <a:t>erf. </a:t>
-            </a:r>
-            <a:r>
-              <a:rPr lang="en-GB" b="1" dirty="0" smtClean="0"/>
-              <a:t>is smaller than the every-day-trading performance.</a:t>
+              <a:t>erf. is smaller than the every-day-trading performance.</a:t>
             </a:r>
           </a:p>
           <a:p>
@@ -6028,7 +6083,6 @@
               <a:rPr lang="en-GB" b="1" dirty="0" smtClean="0"/>
               <a:t>Remove and observer future development.</a:t>
             </a:r>
-            <a:endParaRPr lang="en-GB" b="1" dirty="0" smtClean="0"/>
           </a:p>
           <a:p>
             <a:pPr>

--- a/010 Shiny/Shiny Project Slides.pptx
+++ b/010 Shiny/Shiny Project Slides.pptx
@@ -3861,11 +3861,7 @@
           <a:p>
             <a:r>
               <a:rPr lang="en-GB" dirty="0" smtClean="0"/>
-              <a:t>and their possible use for a day trading </a:t>
-            </a:r>
-            <a:r>
-              <a:rPr lang="en-GB" dirty="0" smtClean="0"/>
-              <a:t>strategy</a:t>
+              <a:t>and their possible use for a day trading strategy</a:t>
             </a:r>
           </a:p>
           <a:p>
@@ -4325,8 +4321,20 @@
               <a:buChar char="Ø"/>
             </a:pPr>
             <a:r>
+              <a:rPr lang="de-AT" dirty="0" smtClean="0"/>
+              <a:t>Day </a:t>
+            </a:r>
+            <a:r>
               <a:rPr lang="de-AT" dirty="0" err="1" smtClean="0"/>
-              <a:t>Correlation</a:t>
+              <a:t>performance</a:t>
+            </a:r>
+            <a:r>
+              <a:rPr lang="de-AT" dirty="0" smtClean="0"/>
+              <a:t> </a:t>
+            </a:r>
+            <a:r>
+              <a:rPr lang="de-AT" dirty="0" err="1" smtClean="0"/>
+              <a:t>correlation</a:t>
             </a:r>
             <a:r>
               <a:rPr lang="de-AT" dirty="0" smtClean="0"/>
@@ -6042,15 +6050,23 @@
               <a:buChar char="Ø"/>
             </a:pPr>
             <a:r>
-              <a:rPr lang="en-GB" b="1" dirty="0" smtClean="0"/>
-              <a:t>Seems to have a correlation, but the trading </a:t>
-            </a:r>
-            <a:r>
-              <a:rPr lang="en-GB" b="1" dirty="0"/>
+              <a:rPr lang="en-GB" dirty="0" smtClean="0"/>
+              <a:t>Seems to have a </a:t>
+            </a:r>
+            <a:r>
+              <a:rPr lang="en-GB" dirty="0" smtClean="0"/>
+              <a:t>positive correlation</a:t>
+            </a:r>
+            <a:r>
+              <a:rPr lang="en-GB" dirty="0" smtClean="0"/>
+              <a:t>, but the trading </a:t>
+            </a:r>
+            <a:r>
+              <a:rPr lang="en-GB" dirty="0"/>
               <a:t>p</a:t>
             </a:r>
             <a:r>
-              <a:rPr lang="en-GB" b="1" dirty="0" smtClean="0"/>
+              <a:rPr lang="en-GB" dirty="0" smtClean="0"/>
               <a:t>erf. is smaller than the every-day-trading performance.</a:t>
             </a:r>
           </a:p>
@@ -6060,7 +6076,7 @@
               <a:buChar char="Ø"/>
             </a:pPr>
             <a:r>
-              <a:rPr lang="en-GB" b="1" dirty="0" smtClean="0"/>
+              <a:rPr lang="en-GB" dirty="0" smtClean="0"/>
               <a:t>The trading strategy has no positive effect.</a:t>
             </a:r>
           </a:p>
@@ -6070,7 +6086,7 @@
               <a:buChar char="Ø"/>
             </a:pPr>
             <a:r>
-              <a:rPr lang="en-GB" b="1" dirty="0" smtClean="0"/>
+              <a:rPr lang="en-GB" dirty="0" smtClean="0"/>
               <a:t>Positive result is just luck.</a:t>
             </a:r>
           </a:p>
@@ -6194,31 +6210,54 @@
           <a:p>
             <a:r>
               <a:rPr lang="en-GB" dirty="0" smtClean="0"/>
-              <a:t>Some multiple listed companies show a useful and valuable correlation of the day performances.</a:t>
-            </a:r>
-          </a:p>
-          <a:p>
+              <a:t>Some multiple listed companies show a useful and valuable correlation of </a:t>
+            </a:r>
             <a:r>
               <a:rPr lang="en-GB" dirty="0" smtClean="0"/>
-              <a:t> The correlation is much weaker than the stock price correlation and varies over the time.</a:t>
-            </a:r>
-          </a:p>
-          <a:p>
+              <a:t>their </a:t>
+            </a:r>
             <a:r>
               <a:rPr lang="en-GB" dirty="0" smtClean="0"/>
-              <a:t>To gain profit the correlation must stay over 10-20% in the observed time-span and there have to be enough buying signals (remote perf &gt; 0).</a:t>
+              <a:t>day performances.</a:t>
             </a:r>
           </a:p>
           <a:p>
             <a:r>
               <a:rPr lang="en-GB" dirty="0" smtClean="0"/>
-              <a:t>Further analysis to detect the current correlation level could yield to a better </a:t>
-            </a:r>
-            <a:r>
-              <a:rPr lang="en-GB" smtClean="0"/>
-              <a:t>trading model.</a:t>
-            </a:r>
-            <a:endParaRPr lang="en-GB" dirty="0" smtClean="0"/>
+              <a:t>The day performance correlation </a:t>
+            </a:r>
+            <a:r>
+              <a:rPr lang="en-GB" dirty="0" smtClean="0"/>
+              <a:t>is much weaker than the stock price correlation and varies over </a:t>
+            </a:r>
+            <a:r>
+              <a:rPr lang="en-GB" dirty="0" smtClean="0"/>
+              <a:t>time</a:t>
+            </a:r>
+            <a:r>
+              <a:rPr lang="en-GB" dirty="0" smtClean="0"/>
+              <a:t>.</a:t>
+            </a:r>
+          </a:p>
+          <a:p>
+            <a:r>
+              <a:rPr lang="en-GB" dirty="0" smtClean="0"/>
+              <a:t>To gain profit the correlation must stay over 10-20% in the observed time-span and there have to be enough buying signals (remote </a:t>
+            </a:r>
+            <a:r>
+              <a:rPr lang="en-GB" dirty="0" smtClean="0"/>
+              <a:t>performance </a:t>
+            </a:r>
+            <a:r>
+              <a:rPr lang="en-GB" dirty="0" smtClean="0"/>
+              <a:t>&gt; 0).</a:t>
+            </a:r>
+          </a:p>
+          <a:p>
+            <a:r>
+              <a:rPr lang="en-GB" dirty="0" smtClean="0"/>
+              <a:t>Further analysis to detect the current correlation level could yield to a better trading model.</a:t>
+            </a:r>
           </a:p>
           <a:p>
             <a:endParaRPr lang="de-AT" dirty="0" smtClean="0"/>
@@ -6428,19 +6467,71 @@
           <a:p>
             <a:r>
               <a:rPr lang="en-GB" dirty="0" smtClean="0"/>
-              <a:t>There is a legal difference between cross-listed and dual-listed companies, but this is not considered this case study.</a:t>
-            </a:r>
-          </a:p>
-          <a:p>
+              <a:t>There is a legal difference between cross-listed and dual-listed companies, but this is not considered </a:t>
+            </a:r>
             <a:r>
               <a:rPr lang="en-GB" dirty="0" smtClean="0"/>
-              <a:t>If stock exchanges are in different time zones the shares are trades two times in 24 hours.</a:t>
-            </a:r>
-          </a:p>
-          <a:p>
+              <a:t>in this </a:t>
+            </a:r>
             <a:r>
               <a:rPr lang="en-GB" dirty="0" smtClean="0"/>
-              <a:t>For the case study I used stock prices of six companies which are listed in New York and </a:t>
+              <a:t>case study.</a:t>
+            </a:r>
+          </a:p>
+          <a:p>
+            <a:r>
+              <a:rPr lang="en-GB" dirty="0" smtClean="0"/>
+              <a:t>If </a:t>
+            </a:r>
+            <a:r>
+              <a:rPr lang="en-GB" dirty="0" smtClean="0"/>
+              <a:t>the stock </a:t>
+            </a:r>
+            <a:r>
+              <a:rPr lang="en-GB" dirty="0" smtClean="0"/>
+              <a:t>exchanges are in different time zones </a:t>
+            </a:r>
+            <a:r>
+              <a:rPr lang="en-GB" dirty="0" smtClean="0"/>
+              <a:t>then the </a:t>
+            </a:r>
+            <a:r>
+              <a:rPr lang="en-GB" dirty="0" smtClean="0"/>
+              <a:t>shares are </a:t>
+            </a:r>
+            <a:r>
+              <a:rPr lang="en-GB" dirty="0" smtClean="0"/>
+              <a:t>traded </a:t>
+            </a:r>
+            <a:r>
+              <a:rPr lang="en-GB" dirty="0" smtClean="0"/>
+              <a:t>two times in 24 hours.</a:t>
+            </a:r>
+          </a:p>
+          <a:p>
+            <a:r>
+              <a:rPr lang="en-GB" dirty="0" smtClean="0"/>
+              <a:t>For </a:t>
+            </a:r>
+            <a:r>
+              <a:rPr lang="en-GB" dirty="0" smtClean="0"/>
+              <a:t>this </a:t>
+            </a:r>
+            <a:r>
+              <a:rPr lang="en-GB" dirty="0" smtClean="0"/>
+              <a:t>case study I used stock </a:t>
+            </a:r>
+            <a:r>
+              <a:rPr lang="en-GB" dirty="0" smtClean="0"/>
+              <a:t>data</a:t>
+            </a:r>
+            <a:r>
+              <a:rPr lang="en-GB" dirty="0" smtClean="0"/>
+              <a:t> </a:t>
+            </a:r>
+            <a:r>
+              <a:rPr lang="en-GB" dirty="0" smtClean="0"/>
+              <a:t>of six companies which are listed in New York and </a:t>
             </a:r>
             <a:r>
               <a:rPr lang="en-GB" dirty="0" err="1" smtClean="0"/>
@@ -6661,7 +6752,15 @@
           <a:p>
             <a:r>
               <a:rPr lang="en-GB" dirty="0" smtClean="0"/>
-              <a:t>The day performance is calculated the following </a:t>
+              <a:t>The day performance is calculated </a:t>
+            </a:r>
+            <a:r>
+              <a:rPr lang="en-GB" dirty="0" smtClean="0"/>
+              <a:t>in the </a:t>
+            </a:r>
+            <a:r>
+              <a:rPr lang="en-GB" dirty="0" smtClean="0"/>
+              <a:t>following </a:t>
             </a:r>
             <a:r>
               <a:rPr lang="en-GB" dirty="0" err="1" smtClean="0"/>
@@ -6703,15 +6802,23 @@
           <a:p>
             <a:r>
               <a:rPr lang="en-GB" dirty="0" smtClean="0"/>
-              <a:t>If we decide to trade a stock on a specific day we assume that we can buy the stock with the opening price and sell with the closing price, so the trading performance </a:t>
-            </a:r>
-            <a:r>
-              <a:rPr lang="en-GB" dirty="0" err="1" smtClean="0"/>
-              <a:t>ist</a:t>
+              <a:t>If we decide to trade a stock on a specific day </a:t>
             </a:r>
             <a:r>
               <a:rPr lang="en-GB" dirty="0" smtClean="0"/>
-              <a:t> the same as the day performance of the stock.</a:t>
+              <a:t>then we </a:t>
+            </a:r>
+            <a:r>
+              <a:rPr lang="en-GB" dirty="0" smtClean="0"/>
+              <a:t>assume that we can buy the stock with the opening price and sell with the closing price, so the trading performance </a:t>
+            </a:r>
+            <a:r>
+              <a:rPr lang="en-GB" dirty="0" smtClean="0"/>
+              <a:t>is </a:t>
+            </a:r>
+            <a:r>
+              <a:rPr lang="en-GB" dirty="0" smtClean="0"/>
+              <a:t>the same as the day performance of the stock.</a:t>
             </a:r>
           </a:p>
           <a:p>
@@ -6723,7 +6830,15 @@
           <a:p>
             <a:r>
               <a:rPr lang="en-GB" b="1" dirty="0" smtClean="0"/>
-              <a:t>We trade a stock if the day performance of the remote stock exchanges was positive.</a:t>
+              <a:t>We trade a stock if the day performance of the remote stock </a:t>
+            </a:r>
+            <a:r>
+              <a:rPr lang="en-GB" b="1" dirty="0" smtClean="0"/>
+              <a:t>exchange </a:t>
+            </a:r>
+            <a:r>
+              <a:rPr lang="en-GB" b="1" dirty="0" smtClean="0"/>
+              <a:t>was positive.</a:t>
             </a:r>
           </a:p>
           <a:p>
@@ -7082,7 +7197,9 @@
           </a:xfrm>
         </p:spPr>
         <p:txBody>
-          <a:bodyPr/>
+          <a:bodyPr>
+            <a:normAutofit fontScale="92500"/>
+          </a:bodyPr>
           <a:lstStyle/>
           <a:p>
             <a:r>
@@ -7173,7 +7290,15 @@
             </a:r>
             <a:r>
               <a:rPr lang="de-AT" dirty="0" err="1" smtClean="0"/>
-              <a:t>took</a:t>
+              <a:t>has</a:t>
+            </a:r>
+            <a:r>
+              <a:rPr lang="de-AT" dirty="0" smtClean="0"/>
+              <a:t> </a:t>
+            </a:r>
+            <a:r>
+              <a:rPr lang="de-AT" dirty="0" err="1" smtClean="0"/>
+              <a:t>taken</a:t>
             </a:r>
             <a:r>
               <a:rPr lang="de-AT" dirty="0" smtClean="0"/>
@@ -7379,7 +7504,15 @@
           <a:p>
             <a:r>
               <a:rPr lang="en-GB" dirty="0" smtClean="0"/>
-              <a:t>For each day with data the correlation of the day performances of the  60 previous days were calculated.</a:t>
+              <a:t>For each day with data the correlation of the day performances of the </a:t>
+            </a:r>
+            <a:r>
+              <a:rPr lang="en-GB" dirty="0" smtClean="0"/>
+              <a:t>60 </a:t>
+            </a:r>
+            <a:r>
+              <a:rPr lang="en-GB" dirty="0" smtClean="0"/>
+              <a:t>previous days were calculated.</a:t>
             </a:r>
           </a:p>
           <a:p>
@@ -8433,6 +8566,14 @@
             <a:r>
               <a:rPr lang="de-AT" dirty="0" smtClean="0"/>
               <a:t>Total </a:t>
+            </a:r>
+            <a:r>
+              <a:rPr lang="de-AT" dirty="0" err="1" smtClean="0"/>
+              <a:t>day</a:t>
+            </a:r>
+            <a:r>
+              <a:rPr lang="de-AT" dirty="0" smtClean="0"/>
+              <a:t> </a:t>
             </a:r>
             <a:r>
               <a:rPr lang="de-AT" dirty="0" err="1" smtClean="0"/>
